--- a/prototyp.pptx
+++ b/prototyp.pptx
@@ -6,16 +6,26 @@
   </p:sldMasterIdLst>
   <p:sldIdLst>
     <p:sldId id="256" r:id="rId2"/>
-    <p:sldId id="264" r:id="rId3"/>
-    <p:sldId id="258" r:id="rId4"/>
-    <p:sldId id="259" r:id="rId5"/>
-    <p:sldId id="260" r:id="rId6"/>
-    <p:sldId id="265" r:id="rId7"/>
-    <p:sldId id="263" r:id="rId8"/>
-    <p:sldId id="266" r:id="rId9"/>
-    <p:sldId id="261" r:id="rId10"/>
-    <p:sldId id="262" r:id="rId11"/>
-    <p:sldId id="267" r:id="rId12"/>
+    <p:sldId id="268" r:id="rId3"/>
+    <p:sldId id="269" r:id="rId4"/>
+    <p:sldId id="270" r:id="rId5"/>
+    <p:sldId id="271" r:id="rId6"/>
+    <p:sldId id="272" r:id="rId7"/>
+    <p:sldId id="280" r:id="rId8"/>
+    <p:sldId id="258" r:id="rId9"/>
+    <p:sldId id="259" r:id="rId10"/>
+    <p:sldId id="260" r:id="rId11"/>
+    <p:sldId id="265" r:id="rId12"/>
+    <p:sldId id="273" r:id="rId13"/>
+    <p:sldId id="274" r:id="rId14"/>
+    <p:sldId id="275" r:id="rId15"/>
+    <p:sldId id="263" r:id="rId16"/>
+    <p:sldId id="276" r:id="rId17"/>
+    <p:sldId id="261" r:id="rId18"/>
+    <p:sldId id="262" r:id="rId19"/>
+    <p:sldId id="284" r:id="rId20"/>
+    <p:sldId id="282" r:id="rId21"/>
+    <p:sldId id="283" r:id="rId22"/>
   </p:sldIdLst>
   <p:sldSz cx="9144000" cy="6858000" type="screen4x3"/>
   <p:notesSz cx="6858000" cy="9144000"/>
@@ -4749,22 +4759,90 @@
           <a:bodyPr/>
           <a:lstStyle/>
           <a:p>
-            <a:r>
-              <a:rPr lang="pl-PL" dirty="0" smtClean="0"/>
-              <a:t>Nasze GUI daje możliwość odpalania wygenerowanego pliku .glm z poziomu aplikacji przez przycisk RunSimulation.</a:t>
-            </a:r>
-          </a:p>
-          <a:p>
-            <a:r>
-              <a:rPr lang="pl-PL" dirty="0" smtClean="0"/>
-              <a:t>Pole tekstowe na spodzie aplikacji przeznaczone jest na odpowiedź konsoli na uruchomienie podanego pliku.</a:t>
-            </a:r>
-          </a:p>
-          <a:p>
-            <a:r>
-              <a:rPr lang="pl-PL" dirty="0" smtClean="0"/>
-              <a:t>Uruchamiany jest plik, którego nazwę mamy podaną w polu nazwa pliku.</a:t>
-            </a:r>
+            <a:pPr marL="624078" indent="-514350">
+              <a:buFont typeface="+mj-lt"/>
+              <a:buAutoNum type="arabicPeriod"/>
+            </a:pPr>
+            <a:r>
+              <a:rPr lang="pl-PL" dirty="0" smtClean="0"/>
+              <a:t>Wybierz z </a:t>
+            </a:r>
+            <a:r>
+              <a:rPr lang="pl-PL" dirty="0" smtClean="0"/>
+              <a:t>pierwszej od lewej listy (będziemy </a:t>
+            </a:r>
+            <a:r>
+              <a:rPr lang="pl-PL" dirty="0" smtClean="0"/>
+              <a:t>ją nazywać </a:t>
+            </a:r>
+            <a:r>
+              <a:rPr lang="pl-PL" dirty="0" smtClean="0"/>
+              <a:t>listą 1</a:t>
+            </a:r>
+            <a:r>
+              <a:rPr lang="pl-PL" dirty="0" smtClean="0"/>
+              <a:t>) moduł, z którego obiekt chcesz dodać.</a:t>
+            </a:r>
+          </a:p>
+          <a:p>
+            <a:pPr marL="624078" indent="-514350">
+              <a:buFont typeface="+mj-lt"/>
+              <a:buAutoNum type="arabicPeriod"/>
+            </a:pPr>
+            <a:r>
+              <a:rPr lang="pl-PL" dirty="0" smtClean="0"/>
+              <a:t>Z listy 2 wybierz </a:t>
+            </a:r>
+            <a:r>
+              <a:rPr lang="pl-PL" dirty="0" smtClean="0"/>
+              <a:t>typ obiektu.</a:t>
+            </a:r>
+          </a:p>
+          <a:p>
+            <a:pPr marL="624078" indent="-514350">
+              <a:buFont typeface="+mj-lt"/>
+              <a:buAutoNum type="arabicPeriod"/>
+            </a:pPr>
+            <a:r>
+              <a:rPr lang="pl-PL" dirty="0" smtClean="0"/>
+              <a:t>Naciśnij </a:t>
+            </a:r>
+            <a:r>
+              <a:rPr lang="pl-PL" dirty="0" smtClean="0"/>
+              <a:t>przycisk z symbolem </a:t>
+            </a:r>
+            <a:r>
+              <a:rPr lang="pl-PL" dirty="0" smtClean="0"/>
+              <a:t>„+”, aby dodać obiekt wybranego typu do </a:t>
+            </a:r>
+            <a:r>
+              <a:rPr lang="pl-PL" dirty="0" smtClean="0"/>
+              <a:t>listy 3</a:t>
+            </a:r>
+            <a:r>
+              <a:rPr lang="pl-PL" dirty="0" smtClean="0"/>
+              <a:t>.</a:t>
+            </a:r>
+          </a:p>
+          <a:p>
+            <a:pPr marL="624078" indent="-514350">
+              <a:buFont typeface="+mj-lt"/>
+              <a:buAutoNum type="arabicPeriod"/>
+            </a:pPr>
+            <a:r>
+              <a:rPr lang="pl-PL" dirty="0" smtClean="0"/>
+              <a:t>Źle wybrany obiekt można usunąć przyciskiem „-”.</a:t>
+            </a:r>
+            <a:endParaRPr lang="pl-PL" dirty="0" smtClean="0"/>
+          </a:p>
+          <a:p>
+            <a:pPr marL="624078" indent="-514350">
+              <a:buFont typeface="+mj-lt"/>
+              <a:buAutoNum type="arabicPeriod"/>
+            </a:pPr>
+            <a:endParaRPr lang="pl-PL" dirty="0" smtClean="0"/>
+          </a:p>
+          <a:p>
             <a:endParaRPr lang="pl-PL" dirty="0"/>
           </a:p>
         </p:txBody>
@@ -4781,12 +4859,19 @@
         </p:nvSpPr>
         <p:spPr/>
         <p:txBody>
-          <a:bodyPr/>
+          <a:bodyPr>
+            <a:normAutofit fontScale="90000"/>
+          </a:bodyPr>
           <a:lstStyle/>
           <a:p>
-            <a:r>
-              <a:rPr lang="pl-PL" dirty="0" smtClean="0"/>
-              <a:t>Uruchamianie skryptu</a:t>
+            <a:pPr marL="109728" indent="0"/>
+            <a:r>
+              <a:rPr lang="pl-PL" dirty="0"/>
+              <a:t>Schemat dodawania obiektu do </a:t>
+            </a:r>
+            <a:r>
+              <a:rPr lang="pl-PL" dirty="0" smtClean="0"/>
+              <a:t>modelu:</a:t>
             </a:r>
             <a:endParaRPr lang="pl-PL" dirty="0"/>
           </a:p>
@@ -4795,7 +4880,7 @@
     </p:spTree>
     <p:extLst>
       <p:ext uri="{BB962C8B-B14F-4D97-AF65-F5344CB8AC3E}">
-        <p14:creationId xmlns:p14="http://schemas.microsoft.com/office/powerpoint/2010/main" val="3071428401"/>
+        <p14:creationId xmlns:p14="http://schemas.microsoft.com/office/powerpoint/2010/main" val="1541505849"/>
       </p:ext>
     </p:extLst>
   </p:cSld>
@@ -4829,52 +4914,40 @@
           <a:chExt cx="0" cy="0"/>
         </a:xfrm>
       </p:grpSpPr>
-      <p:sp>
-        <p:nvSpPr>
-          <p:cNvPr id="2" name="Content Placeholder 1"/>
-          <p:cNvSpPr>
-            <a:spLocks noGrp="1"/>
-          </p:cNvSpPr>
-          <p:nvPr>
-            <p:ph idx="1"/>
-          </p:nvPr>
-        </p:nvSpPr>
-        <p:spPr/>
-        <p:txBody>
-          <a:bodyPr/>
-          <a:lstStyle/>
-          <a:p>
-            <a:r>
-              <a:rPr lang="pl-PL" smtClean="0"/>
-              <a:t>Screen z outputem z consoli</a:t>
-            </a:r>
-            <a:endParaRPr lang="pl-PL"/>
-          </a:p>
-        </p:txBody>
-      </p:sp>
-      <p:sp>
-        <p:nvSpPr>
-          <p:cNvPr id="3" name="Title 2"/>
-          <p:cNvSpPr>
-            <a:spLocks noGrp="1"/>
-          </p:cNvSpPr>
-          <p:nvPr>
-            <p:ph type="title"/>
-          </p:nvPr>
-        </p:nvSpPr>
-        <p:spPr/>
-        <p:txBody>
-          <a:bodyPr/>
-          <a:lstStyle/>
-          <a:p>
-            <a:endParaRPr lang="pl-PL"/>
-          </a:p>
-        </p:txBody>
-      </p:sp>
+      <p:pic>
+        <p:nvPicPr>
+          <p:cNvPr id="5" name="Obraz 4"/>
+          <p:cNvPicPr>
+            <a:picLocks noChangeAspect="1"/>
+          </p:cNvPicPr>
+          <p:nvPr/>
+        </p:nvPicPr>
+        <p:blipFill>
+          <a:blip r:embed="rId2">
+            <a:extLst>
+              <a:ext uri="{28A0092B-C50C-407E-A947-70E740481C1C}">
+                <a14:useLocalDpi xmlns:a14="http://schemas.microsoft.com/office/drawing/2010/main" val="0"/>
+              </a:ext>
+            </a:extLst>
+          </a:blip>
+          <a:stretch>
+            <a:fillRect/>
+          </a:stretch>
+        </p:blipFill>
+        <p:spPr>
+          <a:xfrm>
+            <a:off x="0" y="1307284"/>
+            <a:ext cx="9144000" cy="4243431"/>
+          </a:xfrm>
+          <a:prstGeom prst="rect">
+            <a:avLst/>
+          </a:prstGeom>
+        </p:spPr>
+      </p:pic>
     </p:spTree>
     <p:extLst>
       <p:ext uri="{BB962C8B-B14F-4D97-AF65-F5344CB8AC3E}">
-        <p14:creationId xmlns:p14="http://schemas.microsoft.com/office/powerpoint/2010/main" val="1494467020"/>
+        <p14:creationId xmlns:p14="http://schemas.microsoft.com/office/powerpoint/2010/main" val="2146006656"/>
       </p:ext>
     </p:extLst>
   </p:cSld>
@@ -4888,6 +4961,777 @@
       </p:par>
     </p:tnLst>
   </p:timing>
+</p:sld>
+</file>
+
+<file path=ppt/slides/slide12.xml><?xml version="1.0" encoding="utf-8"?>
+<p:sld xmlns:a="http://schemas.openxmlformats.org/drawingml/2006/main" xmlns:r="http://schemas.openxmlformats.org/officeDocument/2006/relationships" xmlns:p="http://schemas.openxmlformats.org/presentationml/2006/main">
+  <p:cSld>
+    <p:spTree>
+      <p:nvGrpSpPr>
+        <p:cNvPr id="1" name=""/>
+        <p:cNvGrpSpPr/>
+        <p:nvPr/>
+      </p:nvGrpSpPr>
+      <p:grpSpPr>
+        <a:xfrm>
+          <a:off x="0" y="0"/>
+          <a:ext cx="0" cy="0"/>
+          <a:chOff x="0" y="0"/>
+          <a:chExt cx="0" cy="0"/>
+        </a:xfrm>
+      </p:grpSpPr>
+      <p:pic>
+        <p:nvPicPr>
+          <p:cNvPr id="1026" name="Picture 2"/>
+          <p:cNvPicPr>
+            <a:picLocks noChangeAspect="1" noChangeArrowheads="1"/>
+          </p:cNvPicPr>
+          <p:nvPr/>
+        </p:nvPicPr>
+        <p:blipFill>
+          <a:blip r:embed="rId2">
+            <a:extLst>
+              <a:ext uri="{28A0092B-C50C-407E-A947-70E740481C1C}">
+                <a14:useLocalDpi xmlns:a14="http://schemas.microsoft.com/office/drawing/2010/main" val="0"/>
+              </a:ext>
+            </a:extLst>
+          </a:blip>
+          <a:srcRect/>
+          <a:stretch>
+            <a:fillRect/>
+          </a:stretch>
+        </p:blipFill>
+        <p:spPr bwMode="auto">
+          <a:xfrm>
+            <a:off x="0" y="1295400"/>
+            <a:ext cx="9144000" cy="4250422"/>
+          </a:xfrm>
+          <a:prstGeom prst="rect">
+            <a:avLst/>
+          </a:prstGeom>
+          <a:noFill/>
+          <a:ln>
+            <a:noFill/>
+          </a:ln>
+          <a:extLst>
+            <a:ext uri="{909E8E84-426E-40DD-AFC4-6F175D3DCCD1}">
+              <a14:hiddenFill xmlns:a14="http://schemas.microsoft.com/office/drawing/2010/main">
+                <a:solidFill>
+                  <a:schemeClr val="accent1"/>
+                </a:solidFill>
+              </a14:hiddenFill>
+            </a:ext>
+            <a:ext uri="{91240B29-F687-4F45-9708-019B960494DF}">
+              <a14:hiddenLine xmlns:a14="http://schemas.microsoft.com/office/drawing/2010/main" w="9525">
+                <a:solidFill>
+                  <a:schemeClr val="tx1"/>
+                </a:solidFill>
+                <a:miter lim="800000"/>
+                <a:headEnd/>
+                <a:tailEnd/>
+              </a14:hiddenLine>
+            </a:ext>
+          </a:extLst>
+        </p:spPr>
+      </p:pic>
+    </p:spTree>
+    <p:extLst>
+      <p:ext uri="{BB962C8B-B14F-4D97-AF65-F5344CB8AC3E}">
+        <p14:creationId xmlns:p14="http://schemas.microsoft.com/office/powerpoint/2010/main" val="1462594199"/>
+      </p:ext>
+    </p:extLst>
+  </p:cSld>
+  <p:clrMapOvr>
+    <a:masterClrMapping/>
+  </p:clrMapOvr>
+  <p:timing>
+    <p:tnLst>
+      <p:par>
+        <p:cTn id="1" dur="indefinite" restart="never" nodeType="tmRoot"/>
+      </p:par>
+    </p:tnLst>
+  </p:timing>
+</p:sld>
+</file>
+
+<file path=ppt/slides/slide13.xml><?xml version="1.0" encoding="utf-8"?>
+<p:sld xmlns:a="http://schemas.openxmlformats.org/drawingml/2006/main" xmlns:r="http://schemas.openxmlformats.org/officeDocument/2006/relationships" xmlns:p="http://schemas.openxmlformats.org/presentationml/2006/main">
+  <p:cSld>
+    <p:spTree>
+      <p:nvGrpSpPr>
+        <p:cNvPr id="1" name=""/>
+        <p:cNvGrpSpPr/>
+        <p:nvPr/>
+      </p:nvGrpSpPr>
+      <p:grpSpPr>
+        <a:xfrm>
+          <a:off x="0" y="0"/>
+          <a:ext cx="0" cy="0"/>
+          <a:chOff x="0" y="0"/>
+          <a:chExt cx="0" cy="0"/>
+        </a:xfrm>
+      </p:grpSpPr>
+      <p:pic>
+        <p:nvPicPr>
+          <p:cNvPr id="2" name="Obraz 1"/>
+          <p:cNvPicPr>
+            <a:picLocks noChangeAspect="1"/>
+          </p:cNvPicPr>
+          <p:nvPr/>
+        </p:nvPicPr>
+        <p:blipFill>
+          <a:blip r:embed="rId2">
+            <a:extLst>
+              <a:ext uri="{28A0092B-C50C-407E-A947-70E740481C1C}">
+                <a14:useLocalDpi xmlns:a14="http://schemas.microsoft.com/office/drawing/2010/main" val="0"/>
+              </a:ext>
+            </a:extLst>
+          </a:blip>
+          <a:stretch>
+            <a:fillRect/>
+          </a:stretch>
+        </p:blipFill>
+        <p:spPr>
+          <a:xfrm>
+            <a:off x="0" y="1305661"/>
+            <a:ext cx="9144000" cy="4246677"/>
+          </a:xfrm>
+          <a:prstGeom prst="rect">
+            <a:avLst/>
+          </a:prstGeom>
+        </p:spPr>
+      </p:pic>
+    </p:spTree>
+    <p:extLst>
+      <p:ext uri="{BB962C8B-B14F-4D97-AF65-F5344CB8AC3E}">
+        <p14:creationId xmlns:p14="http://schemas.microsoft.com/office/powerpoint/2010/main" val="994000686"/>
+      </p:ext>
+    </p:extLst>
+  </p:cSld>
+  <p:clrMapOvr>
+    <a:masterClrMapping/>
+  </p:clrMapOvr>
+  <p:timing>
+    <p:tnLst>
+      <p:par>
+        <p:cTn id="1" dur="indefinite" restart="never" nodeType="tmRoot"/>
+      </p:par>
+    </p:tnLst>
+  </p:timing>
+</p:sld>
+</file>
+
+<file path=ppt/slides/slide14.xml><?xml version="1.0" encoding="utf-8"?>
+<p:sld xmlns:a="http://schemas.openxmlformats.org/drawingml/2006/main" xmlns:r="http://schemas.openxmlformats.org/officeDocument/2006/relationships" xmlns:p="http://schemas.openxmlformats.org/presentationml/2006/main">
+  <p:cSld>
+    <p:spTree>
+      <p:nvGrpSpPr>
+        <p:cNvPr id="1" name=""/>
+        <p:cNvGrpSpPr/>
+        <p:nvPr/>
+      </p:nvGrpSpPr>
+      <p:grpSpPr>
+        <a:xfrm>
+          <a:off x="0" y="0"/>
+          <a:ext cx="0" cy="0"/>
+          <a:chOff x="0" y="0"/>
+          <a:chExt cx="0" cy="0"/>
+        </a:xfrm>
+      </p:grpSpPr>
+      <p:pic>
+        <p:nvPicPr>
+          <p:cNvPr id="2" name="Obraz 1"/>
+          <p:cNvPicPr>
+            <a:picLocks noChangeAspect="1"/>
+          </p:cNvPicPr>
+          <p:nvPr/>
+        </p:nvPicPr>
+        <p:blipFill>
+          <a:blip r:embed="rId2">
+            <a:extLst>
+              <a:ext uri="{28A0092B-C50C-407E-A947-70E740481C1C}">
+                <a14:useLocalDpi xmlns:a14="http://schemas.microsoft.com/office/drawing/2010/main" val="0"/>
+              </a:ext>
+            </a:extLst>
+          </a:blip>
+          <a:stretch>
+            <a:fillRect/>
+          </a:stretch>
+        </p:blipFill>
+        <p:spPr>
+          <a:xfrm>
+            <a:off x="0" y="1303789"/>
+            <a:ext cx="9144000" cy="4250422"/>
+          </a:xfrm>
+          <a:prstGeom prst="rect">
+            <a:avLst/>
+          </a:prstGeom>
+        </p:spPr>
+      </p:pic>
+    </p:spTree>
+    <p:extLst>
+      <p:ext uri="{BB962C8B-B14F-4D97-AF65-F5344CB8AC3E}">
+        <p14:creationId xmlns:p14="http://schemas.microsoft.com/office/powerpoint/2010/main" val="2756651517"/>
+      </p:ext>
+    </p:extLst>
+  </p:cSld>
+  <p:clrMapOvr>
+    <a:masterClrMapping/>
+  </p:clrMapOvr>
+  <p:timing>
+    <p:tnLst>
+      <p:par>
+        <p:cTn id="1" dur="indefinite" restart="never" nodeType="tmRoot"/>
+      </p:par>
+    </p:tnLst>
+  </p:timing>
+</p:sld>
+</file>
+
+<file path=ppt/slides/slide15.xml><?xml version="1.0" encoding="utf-8"?>
+<p:sld xmlns:a="http://schemas.openxmlformats.org/drawingml/2006/main" xmlns:r="http://schemas.openxmlformats.org/officeDocument/2006/relationships" xmlns:p="http://schemas.openxmlformats.org/presentationml/2006/main">
+  <p:cSld>
+    <p:spTree>
+      <p:nvGrpSpPr>
+        <p:cNvPr id="1" name=""/>
+        <p:cNvGrpSpPr/>
+        <p:nvPr/>
+      </p:nvGrpSpPr>
+      <p:grpSpPr>
+        <a:xfrm>
+          <a:off x="0" y="0"/>
+          <a:ext cx="0" cy="0"/>
+          <a:chOff x="0" y="0"/>
+          <a:chExt cx="0" cy="0"/>
+        </a:xfrm>
+      </p:grpSpPr>
+      <p:sp>
+        <p:nvSpPr>
+          <p:cNvPr id="2" name="Content Placeholder 1"/>
+          <p:cNvSpPr>
+            <a:spLocks noGrp="1"/>
+          </p:cNvSpPr>
+          <p:nvPr>
+            <p:ph idx="1"/>
+          </p:nvPr>
+        </p:nvSpPr>
+        <p:spPr/>
+        <p:txBody>
+          <a:bodyPr/>
+          <a:lstStyle/>
+          <a:p>
+            <a:pPr marL="624078" indent="-514350">
+              <a:buFont typeface="+mj-lt"/>
+              <a:buAutoNum type="arabicPeriod"/>
+            </a:pPr>
+            <a:r>
+              <a:rPr lang="pl-PL" dirty="0" smtClean="0"/>
+              <a:t>Wybieramy obiekt, którego właściwości chcemy zmienić.</a:t>
+            </a:r>
+          </a:p>
+          <a:p>
+            <a:pPr marL="624078" indent="-514350">
+              <a:buFont typeface="+mj-lt"/>
+              <a:buAutoNum type="arabicPeriod"/>
+            </a:pPr>
+            <a:r>
+              <a:rPr lang="pl-PL" dirty="0" smtClean="0"/>
+              <a:t>Pojawia </a:t>
+            </a:r>
+            <a:r>
+              <a:rPr lang="pl-PL" dirty="0" smtClean="0"/>
+              <a:t>się </a:t>
+            </a:r>
+            <a:r>
+              <a:rPr lang="pl-PL" dirty="0" smtClean="0"/>
+              <a:t>panel właściwości obiektu.</a:t>
+            </a:r>
+          </a:p>
+          <a:p>
+            <a:pPr marL="624078" indent="-514350">
+              <a:buFont typeface="+mj-lt"/>
+              <a:buAutoNum type="arabicPeriod"/>
+            </a:pPr>
+            <a:r>
+              <a:rPr lang="pl-PL" dirty="0" smtClean="0"/>
+              <a:t>Po zmianie właściwości należy zapisać je w obiekcie poprzez </a:t>
+            </a:r>
+            <a:r>
+              <a:rPr lang="pl-PL" dirty="0" smtClean="0"/>
+              <a:t>naciśnięcie </a:t>
+            </a:r>
+            <a:r>
+              <a:rPr lang="pl-PL" dirty="0" smtClean="0"/>
+              <a:t>przycisku </a:t>
+            </a:r>
+            <a:r>
+              <a:rPr lang="pl-PL" dirty="0" smtClean="0"/>
+              <a:t>„</a:t>
+            </a:r>
+            <a:r>
+              <a:rPr lang="pl-PL" dirty="0" err="1" smtClean="0"/>
+              <a:t>Save</a:t>
+            </a:r>
+            <a:r>
+              <a:rPr lang="pl-PL" dirty="0" smtClean="0"/>
+              <a:t> </a:t>
+            </a:r>
+            <a:r>
+              <a:rPr lang="pl-PL" dirty="0" err="1" smtClean="0"/>
+              <a:t>changes</a:t>
+            </a:r>
+            <a:r>
+              <a:rPr lang="pl-PL" dirty="0" smtClean="0"/>
+              <a:t>”.</a:t>
+            </a:r>
+            <a:endParaRPr lang="pl-PL" dirty="0" smtClean="0"/>
+          </a:p>
+          <a:p>
+            <a:pPr marL="624078" indent="-514350">
+              <a:buFont typeface="+mj-lt"/>
+              <a:buAutoNum type="arabicPeriod"/>
+            </a:pPr>
+            <a:endParaRPr lang="pl-PL" dirty="0"/>
+          </a:p>
+        </p:txBody>
+      </p:sp>
+      <p:sp>
+        <p:nvSpPr>
+          <p:cNvPr id="3" name="Title 2"/>
+          <p:cNvSpPr>
+            <a:spLocks noGrp="1"/>
+          </p:cNvSpPr>
+          <p:nvPr>
+            <p:ph type="title"/>
+          </p:nvPr>
+        </p:nvSpPr>
+        <p:spPr/>
+        <p:txBody>
+          <a:bodyPr/>
+          <a:lstStyle/>
+          <a:p>
+            <a:r>
+              <a:rPr lang="pl-PL" dirty="0" smtClean="0"/>
+              <a:t>Zmienianie właściwości obiektu</a:t>
+            </a:r>
+            <a:endParaRPr lang="pl-PL" dirty="0"/>
+          </a:p>
+        </p:txBody>
+      </p:sp>
+    </p:spTree>
+    <p:extLst>
+      <p:ext uri="{BB962C8B-B14F-4D97-AF65-F5344CB8AC3E}">
+        <p14:creationId xmlns:p14="http://schemas.microsoft.com/office/powerpoint/2010/main" val="1247509109"/>
+      </p:ext>
+    </p:extLst>
+  </p:cSld>
+  <p:clrMapOvr>
+    <a:masterClrMapping/>
+  </p:clrMapOvr>
+  <p:timing>
+    <p:tnLst>
+      <p:par>
+        <p:cTn id="1" dur="indefinite" restart="never" nodeType="tmRoot"/>
+      </p:par>
+    </p:tnLst>
+  </p:timing>
+</p:sld>
+</file>
+
+<file path=ppt/slides/slide16.xml><?xml version="1.0" encoding="utf-8"?>
+<p:sld xmlns:a="http://schemas.openxmlformats.org/drawingml/2006/main" xmlns:r="http://schemas.openxmlformats.org/officeDocument/2006/relationships" xmlns:p="http://schemas.openxmlformats.org/presentationml/2006/main">
+  <p:cSld>
+    <p:spTree>
+      <p:nvGrpSpPr>
+        <p:cNvPr id="1" name=""/>
+        <p:cNvGrpSpPr/>
+        <p:nvPr/>
+      </p:nvGrpSpPr>
+      <p:grpSpPr>
+        <a:xfrm>
+          <a:off x="0" y="0"/>
+          <a:ext cx="0" cy="0"/>
+          <a:chOff x="0" y="0"/>
+          <a:chExt cx="0" cy="0"/>
+        </a:xfrm>
+      </p:grpSpPr>
+      <p:pic>
+        <p:nvPicPr>
+          <p:cNvPr id="2" name="Obraz 1"/>
+          <p:cNvPicPr>
+            <a:picLocks noChangeAspect="1"/>
+          </p:cNvPicPr>
+          <p:nvPr/>
+        </p:nvPicPr>
+        <p:blipFill>
+          <a:blip r:embed="rId2">
+            <a:extLst>
+              <a:ext uri="{28A0092B-C50C-407E-A947-70E740481C1C}">
+                <a14:useLocalDpi xmlns:a14="http://schemas.microsoft.com/office/drawing/2010/main" val="0"/>
+              </a:ext>
+            </a:extLst>
+          </a:blip>
+          <a:stretch>
+            <a:fillRect/>
+          </a:stretch>
+        </p:blipFill>
+        <p:spPr>
+          <a:xfrm>
+            <a:off x="0" y="1307284"/>
+            <a:ext cx="9144000" cy="4243431"/>
+          </a:xfrm>
+          <a:prstGeom prst="rect">
+            <a:avLst/>
+          </a:prstGeom>
+        </p:spPr>
+      </p:pic>
+    </p:spTree>
+    <p:extLst>
+      <p:ext uri="{BB962C8B-B14F-4D97-AF65-F5344CB8AC3E}">
+        <p14:creationId xmlns:p14="http://schemas.microsoft.com/office/powerpoint/2010/main" val="1940506222"/>
+      </p:ext>
+    </p:extLst>
+  </p:cSld>
+  <p:clrMapOvr>
+    <a:masterClrMapping/>
+  </p:clrMapOvr>
+  <p:timing>
+    <p:tnLst>
+      <p:par>
+        <p:cTn id="1" dur="indefinite" restart="never" nodeType="tmRoot"/>
+      </p:par>
+    </p:tnLst>
+  </p:timing>
+</p:sld>
+</file>
+
+<file path=ppt/slides/slide17.xml><?xml version="1.0" encoding="utf-8"?>
+<p:sld xmlns:a="http://schemas.openxmlformats.org/drawingml/2006/main" xmlns:r="http://schemas.openxmlformats.org/officeDocument/2006/relationships" xmlns:p="http://schemas.openxmlformats.org/presentationml/2006/main">
+  <p:cSld>
+    <p:spTree>
+      <p:nvGrpSpPr>
+        <p:cNvPr id="1" name=""/>
+        <p:cNvGrpSpPr/>
+        <p:nvPr/>
+      </p:nvGrpSpPr>
+      <p:grpSpPr>
+        <a:xfrm>
+          <a:off x="0" y="0"/>
+          <a:ext cx="0" cy="0"/>
+          <a:chOff x="0" y="0"/>
+          <a:chExt cx="0" cy="0"/>
+        </a:xfrm>
+      </p:grpSpPr>
+      <p:sp>
+        <p:nvSpPr>
+          <p:cNvPr id="2" name="Content Placeholder 1"/>
+          <p:cNvSpPr>
+            <a:spLocks noGrp="1"/>
+          </p:cNvSpPr>
+          <p:nvPr>
+            <p:ph idx="1"/>
+          </p:nvPr>
+        </p:nvSpPr>
+        <p:spPr/>
+        <p:txBody>
+          <a:bodyPr/>
+          <a:lstStyle/>
+          <a:p>
+            <a:r>
+              <a:rPr lang="pl-PL" dirty="0" smtClean="0"/>
+              <a:t>Przycisk </a:t>
+            </a:r>
+            <a:r>
+              <a:rPr lang="pl-PL" dirty="0" smtClean="0"/>
+              <a:t>„Export to GLM” generuje, </a:t>
+            </a:r>
+            <a:r>
+              <a:rPr lang="pl-PL" dirty="0" smtClean="0"/>
+              <a:t>na podstawie naszego </a:t>
+            </a:r>
+            <a:r>
+              <a:rPr lang="pl-PL" dirty="0" smtClean="0"/>
+              <a:t>modelu, </a:t>
+            </a:r>
+            <a:r>
+              <a:rPr lang="pl-PL" dirty="0" smtClean="0"/>
+              <a:t>plik .</a:t>
+            </a:r>
+            <a:r>
+              <a:rPr lang="pl-PL" dirty="0" err="1" smtClean="0"/>
+              <a:t>glm</a:t>
+            </a:r>
+            <a:r>
+              <a:rPr lang="pl-PL" dirty="0" smtClean="0"/>
+              <a:t> </a:t>
+            </a:r>
+            <a:r>
+              <a:rPr lang="pl-PL" dirty="0" smtClean="0"/>
+              <a:t>o nazwie podanej w polu tekstowym </a:t>
+            </a:r>
+            <a:r>
+              <a:rPr lang="pl-PL" dirty="0" smtClean="0"/>
+              <a:t>obok przycisku.</a:t>
+            </a:r>
+            <a:endParaRPr lang="pl-PL" dirty="0"/>
+          </a:p>
+        </p:txBody>
+      </p:sp>
+      <p:sp>
+        <p:nvSpPr>
+          <p:cNvPr id="3" name="Title 2"/>
+          <p:cNvSpPr>
+            <a:spLocks noGrp="1"/>
+          </p:cNvSpPr>
+          <p:nvPr>
+            <p:ph type="title"/>
+          </p:nvPr>
+        </p:nvSpPr>
+        <p:spPr/>
+        <p:txBody>
+          <a:bodyPr/>
+          <a:lstStyle/>
+          <a:p>
+            <a:r>
+              <a:rPr lang="pl-PL" dirty="0" smtClean="0"/>
+              <a:t>Generowanie pliku .glm</a:t>
+            </a:r>
+            <a:endParaRPr lang="pl-PL" dirty="0"/>
+          </a:p>
+        </p:txBody>
+      </p:sp>
+    </p:spTree>
+    <p:extLst>
+      <p:ext uri="{BB962C8B-B14F-4D97-AF65-F5344CB8AC3E}">
+        <p14:creationId xmlns:p14="http://schemas.microsoft.com/office/powerpoint/2010/main" val="1336825999"/>
+      </p:ext>
+    </p:extLst>
+  </p:cSld>
+  <p:clrMapOvr>
+    <a:masterClrMapping/>
+  </p:clrMapOvr>
+  <p:timing>
+    <p:tnLst>
+      <p:par>
+        <p:cTn id="1" dur="indefinite" restart="never" nodeType="tmRoot"/>
+      </p:par>
+    </p:tnLst>
+  </p:timing>
+</p:sld>
+</file>
+
+<file path=ppt/slides/slide18.xml><?xml version="1.0" encoding="utf-8"?>
+<p:sld xmlns:a="http://schemas.openxmlformats.org/drawingml/2006/main" xmlns:r="http://schemas.openxmlformats.org/officeDocument/2006/relationships" xmlns:p="http://schemas.openxmlformats.org/presentationml/2006/main">
+  <p:cSld>
+    <p:spTree>
+      <p:nvGrpSpPr>
+        <p:cNvPr id="1" name=""/>
+        <p:cNvGrpSpPr/>
+        <p:nvPr/>
+      </p:nvGrpSpPr>
+      <p:grpSpPr>
+        <a:xfrm>
+          <a:off x="0" y="0"/>
+          <a:ext cx="0" cy="0"/>
+          <a:chOff x="0" y="0"/>
+          <a:chExt cx="0" cy="0"/>
+        </a:xfrm>
+      </p:grpSpPr>
+      <p:sp>
+        <p:nvSpPr>
+          <p:cNvPr id="2" name="Content Placeholder 1"/>
+          <p:cNvSpPr>
+            <a:spLocks noGrp="1"/>
+          </p:cNvSpPr>
+          <p:nvPr>
+            <p:ph idx="1"/>
+          </p:nvPr>
+        </p:nvSpPr>
+        <p:spPr/>
+        <p:txBody>
+          <a:bodyPr/>
+          <a:lstStyle/>
+          <a:p>
+            <a:r>
+              <a:rPr lang="pl-PL" dirty="0" smtClean="0"/>
+              <a:t>Nasze GUI daje możliwość </a:t>
+            </a:r>
+            <a:r>
+              <a:rPr lang="pl-PL" dirty="0" smtClean="0"/>
+              <a:t>uruchamiania wygenerowanego </a:t>
+            </a:r>
+            <a:r>
+              <a:rPr lang="pl-PL" dirty="0" smtClean="0"/>
+              <a:t>pliku .glm z poziomu aplikacji przez przycisk </a:t>
+            </a:r>
+            <a:r>
+              <a:rPr lang="pl-PL" dirty="0" smtClean="0"/>
+              <a:t>„Run </a:t>
+            </a:r>
+            <a:r>
+              <a:rPr lang="pl-PL" dirty="0" err="1" smtClean="0"/>
+              <a:t>simulation</a:t>
+            </a:r>
+            <a:r>
+              <a:rPr lang="pl-PL" dirty="0" smtClean="0"/>
+              <a:t>”.</a:t>
+            </a:r>
+            <a:endParaRPr lang="pl-PL" dirty="0" smtClean="0"/>
+          </a:p>
+          <a:p>
+            <a:r>
+              <a:rPr lang="pl-PL" dirty="0" smtClean="0"/>
+              <a:t>Pole tekstowe na </a:t>
+            </a:r>
+            <a:r>
+              <a:rPr lang="pl-PL" dirty="0" smtClean="0"/>
+              <a:t>dole okna przeznaczone </a:t>
+            </a:r>
+            <a:r>
+              <a:rPr lang="pl-PL" dirty="0" smtClean="0"/>
+              <a:t>jest na </a:t>
+            </a:r>
+            <a:r>
+              <a:rPr lang="pl-PL" dirty="0" smtClean="0"/>
+              <a:t>wyświetlenie odpowiedzi </a:t>
+            </a:r>
+            <a:r>
+              <a:rPr lang="pl-PL" dirty="0" smtClean="0"/>
+              <a:t>konsoli na uruchomienie podanego </a:t>
+            </a:r>
+            <a:r>
+              <a:rPr lang="pl-PL" dirty="0" smtClean="0"/>
+              <a:t>pliku</a:t>
+            </a:r>
+            <a:r>
+              <a:rPr lang="pl-PL" dirty="0"/>
+              <a:t>.</a:t>
+            </a:r>
+            <a:endParaRPr lang="pl-PL" dirty="0" smtClean="0"/>
+          </a:p>
+        </p:txBody>
+      </p:sp>
+      <p:sp>
+        <p:nvSpPr>
+          <p:cNvPr id="3" name="Title 2"/>
+          <p:cNvSpPr>
+            <a:spLocks noGrp="1"/>
+          </p:cNvSpPr>
+          <p:nvPr>
+            <p:ph type="title"/>
+          </p:nvPr>
+        </p:nvSpPr>
+        <p:spPr/>
+        <p:txBody>
+          <a:bodyPr/>
+          <a:lstStyle/>
+          <a:p>
+            <a:r>
+              <a:rPr lang="pl-PL" dirty="0" smtClean="0"/>
+              <a:t>Uruchamianie skryptu</a:t>
+            </a:r>
+            <a:endParaRPr lang="pl-PL" dirty="0"/>
+          </a:p>
+        </p:txBody>
+      </p:sp>
+    </p:spTree>
+    <p:extLst>
+      <p:ext uri="{BB962C8B-B14F-4D97-AF65-F5344CB8AC3E}">
+        <p14:creationId xmlns:p14="http://schemas.microsoft.com/office/powerpoint/2010/main" val="3071428401"/>
+      </p:ext>
+    </p:extLst>
+  </p:cSld>
+  <p:clrMapOvr>
+    <a:masterClrMapping/>
+  </p:clrMapOvr>
+  <p:timing>
+    <p:tnLst>
+      <p:par>
+        <p:cTn id="1" dur="indefinite" restart="never" nodeType="tmRoot"/>
+      </p:par>
+    </p:tnLst>
+  </p:timing>
+</p:sld>
+</file>
+
+<file path=ppt/slides/slide19.xml><?xml version="1.0" encoding="utf-8"?>
+<p:sld xmlns:a="http://schemas.openxmlformats.org/drawingml/2006/main" xmlns:r="http://schemas.openxmlformats.org/officeDocument/2006/relationships" xmlns:p="http://schemas.openxmlformats.org/presentationml/2006/main">
+  <p:cSld>
+    <p:spTree>
+      <p:nvGrpSpPr>
+        <p:cNvPr id="1" name=""/>
+        <p:cNvGrpSpPr/>
+        <p:nvPr/>
+      </p:nvGrpSpPr>
+      <p:grpSpPr>
+        <a:xfrm>
+          <a:off x="0" y="0"/>
+          <a:ext cx="0" cy="0"/>
+          <a:chOff x="0" y="0"/>
+          <a:chExt cx="0" cy="0"/>
+        </a:xfrm>
+      </p:grpSpPr>
+      <p:sp>
+        <p:nvSpPr>
+          <p:cNvPr id="2" name="Symbol zastępczy zawartości 1"/>
+          <p:cNvSpPr>
+            <a:spLocks noGrp="1"/>
+          </p:cNvSpPr>
+          <p:nvPr>
+            <p:ph idx="1"/>
+          </p:nvPr>
+        </p:nvSpPr>
+        <p:spPr/>
+        <p:txBody>
+          <a:bodyPr/>
+          <a:lstStyle/>
+          <a:p>
+            <a:endParaRPr lang="pl-PL"/>
+          </a:p>
+        </p:txBody>
+      </p:sp>
+      <p:sp>
+        <p:nvSpPr>
+          <p:cNvPr id="3" name="Tytuł 2"/>
+          <p:cNvSpPr>
+            <a:spLocks noGrp="1"/>
+          </p:cNvSpPr>
+          <p:nvPr>
+            <p:ph type="title"/>
+          </p:nvPr>
+        </p:nvSpPr>
+        <p:spPr/>
+        <p:txBody>
+          <a:bodyPr/>
+          <a:lstStyle/>
+          <a:p>
+            <a:r>
+              <a:rPr lang="pl-PL" dirty="0" err="1" smtClean="0"/>
+              <a:t>Screen</a:t>
+            </a:r>
+            <a:r>
+              <a:rPr lang="pl-PL" dirty="0" smtClean="0"/>
+              <a:t> z </a:t>
+            </a:r>
+            <a:r>
+              <a:rPr lang="pl-PL" dirty="0" err="1" smtClean="0"/>
+              <a:t>outputem</a:t>
+            </a:r>
+            <a:endParaRPr lang="pl-PL" dirty="0"/>
+          </a:p>
+        </p:txBody>
+      </p:sp>
+    </p:spTree>
+    <p:extLst>
+      <p:ext uri="{BB962C8B-B14F-4D97-AF65-F5344CB8AC3E}">
+        <p14:creationId xmlns:p14="http://schemas.microsoft.com/office/powerpoint/2010/main" val="2336089920"/>
+      </p:ext>
+    </p:extLst>
+  </p:cSld>
+  <p:clrMapOvr>
+    <a:masterClrMapping/>
+  </p:clrMapOvr>
 </p:sld>
 </file>
 
@@ -4910,12 +5754,56 @@
       </p:grpSpPr>
       <p:sp>
         <p:nvSpPr>
-          <p:cNvPr id="2" name="Content Placeholder 1"/>
+          <p:cNvPr id="2" name="Symbol zastępczy zawartości 1"/>
           <p:cNvSpPr>
             <a:spLocks noGrp="1"/>
           </p:cNvSpPr>
           <p:nvPr>
             <p:ph idx="1"/>
+          </p:nvPr>
+        </p:nvSpPr>
+        <p:spPr>
+          <a:xfrm>
+            <a:off x="457200" y="1481328"/>
+            <a:ext cx="8229600" cy="4690872"/>
+          </a:xfrm>
+        </p:spPr>
+        <p:txBody>
+          <a:bodyPr>
+            <a:normAutofit/>
+          </a:bodyPr>
+          <a:lstStyle/>
+          <a:p>
+            <a:r>
+              <a:rPr lang="en-US" dirty="0" err="1" smtClean="0"/>
+              <a:t>GridLAB</a:t>
+            </a:r>
+            <a:r>
+              <a:rPr lang="en-US" dirty="0" smtClean="0"/>
+              <a:t>-D </a:t>
+            </a:r>
+            <a:r>
+              <a:rPr lang="pl-PL" dirty="0" smtClean="0"/>
+              <a:t>jest rozbudowanym narzędziem służącym do przeprowadzania symulacji działania sieci elektrycznych i energetycznych.</a:t>
+            </a:r>
+          </a:p>
+          <a:p>
+            <a:r>
+              <a:rPr lang="pl-PL" dirty="0" smtClean="0"/>
+              <a:t>Pozwala użytkownikowi zaprojektować połączenia pomiędzy różnego rodzaju urządzeniami.</a:t>
+            </a:r>
+            <a:endParaRPr lang="pl-PL" dirty="0"/>
+          </a:p>
+        </p:txBody>
+      </p:sp>
+      <p:sp>
+        <p:nvSpPr>
+          <p:cNvPr id="3" name="Tytuł 2"/>
+          <p:cNvSpPr>
+            <a:spLocks noGrp="1"/>
+          </p:cNvSpPr>
+          <p:nvPr>
+            <p:ph type="title"/>
           </p:nvPr>
         </p:nvSpPr>
         <p:spPr/>
@@ -4924,45 +5812,221 @@
           <a:lstStyle/>
           <a:p>
             <a:r>
-              <a:rPr lang="pl-PL" dirty="0" smtClean="0"/>
-              <a:t>Z użuciem kodu źródłowego: kompilujmy klasę GridalbGUI.java</a:t>
-            </a:r>
-          </a:p>
-          <a:p>
-            <a:r>
-              <a:rPr lang="pl-PL" dirty="0" smtClean="0"/>
-              <a:t>Deskopowo: uruchamimy aplikację gridlabdGUI.jar</a:t>
-            </a:r>
-          </a:p>
-        </p:txBody>
-      </p:sp>
-      <p:sp>
-        <p:nvSpPr>
-          <p:cNvPr id="3" name="Title 2"/>
-          <p:cNvSpPr>
-            <a:spLocks noGrp="1"/>
-          </p:cNvSpPr>
-          <p:nvPr>
-            <p:ph type="title"/>
-          </p:nvPr>
-        </p:nvSpPr>
-        <p:spPr/>
-        <p:txBody>
-          <a:bodyPr/>
+              <a:rPr lang="pl-PL" dirty="0" err="1" smtClean="0"/>
+              <a:t>GridLAB</a:t>
+            </a:r>
+            <a:r>
+              <a:rPr lang="pl-PL" dirty="0" smtClean="0"/>
+              <a:t>-D</a:t>
+            </a:r>
+            <a:endParaRPr lang="pl-PL" dirty="0"/>
+          </a:p>
+        </p:txBody>
+      </p:sp>
+      <p:sp>
+        <p:nvSpPr>
+          <p:cNvPr id="4" name="pole tekstowe 3"/>
+          <p:cNvSpPr txBox="1"/>
+          <p:nvPr/>
+        </p:nvSpPr>
+        <p:spPr>
+          <a:xfrm>
+            <a:off x="6705600" y="6324600"/>
+            <a:ext cx="2133600" cy="276999"/>
+          </a:xfrm>
+          <a:prstGeom prst="rect">
+            <a:avLst/>
+          </a:prstGeom>
+          <a:noFill/>
+        </p:spPr>
+        <p:txBody>
+          <a:bodyPr wrap="square" rtlCol="0">
+            <a:spAutoFit/>
+          </a:bodyPr>
           <a:lstStyle/>
           <a:p>
             <a:r>
-              <a:rPr lang="pl-PL" dirty="0" smtClean="0"/>
-              <a:t>Uruchamianie prototypu</a:t>
-            </a:r>
-            <a:endParaRPr lang="pl-PL" dirty="0"/>
+              <a:rPr lang="pl-PL" sz="1200" dirty="0"/>
+              <a:t>http://www.gridlabd.org/</a:t>
+            </a:r>
           </a:p>
         </p:txBody>
       </p:sp>
     </p:spTree>
     <p:extLst>
       <p:ext uri="{BB962C8B-B14F-4D97-AF65-F5344CB8AC3E}">
-        <p14:creationId xmlns:p14="http://schemas.microsoft.com/office/powerpoint/2010/main" val="3579008203"/>
+        <p14:creationId xmlns:p14="http://schemas.microsoft.com/office/powerpoint/2010/main" val="3374623633"/>
+      </p:ext>
+    </p:extLst>
+  </p:cSld>
+  <p:clrMapOvr>
+    <a:masterClrMapping/>
+  </p:clrMapOvr>
+</p:sld>
+</file>
+
+<file path=ppt/slides/slide20.xml><?xml version="1.0" encoding="utf-8"?>
+<p:sld xmlns:a="http://schemas.openxmlformats.org/drawingml/2006/main" xmlns:r="http://schemas.openxmlformats.org/officeDocument/2006/relationships" xmlns:p="http://schemas.openxmlformats.org/presentationml/2006/main">
+  <p:cSld>
+    <p:spTree>
+      <p:nvGrpSpPr>
+        <p:cNvPr id="1" name=""/>
+        <p:cNvGrpSpPr/>
+        <p:nvPr/>
+      </p:nvGrpSpPr>
+      <p:grpSpPr>
+        <a:xfrm>
+          <a:off x="0" y="0"/>
+          <a:ext cx="0" cy="0"/>
+          <a:chOff x="0" y="0"/>
+          <a:chExt cx="0" cy="0"/>
+        </a:xfrm>
+      </p:grpSpPr>
+      <p:sp>
+        <p:nvSpPr>
+          <p:cNvPr id="3" name="Title 2"/>
+          <p:cNvSpPr>
+            <a:spLocks noGrp="1"/>
+          </p:cNvSpPr>
+          <p:nvPr>
+            <p:ph type="title"/>
+          </p:nvPr>
+        </p:nvSpPr>
+        <p:spPr>
+          <a:xfrm>
+            <a:off x="304800" y="2209800"/>
+            <a:ext cx="8229600" cy="1143000"/>
+          </a:xfrm>
+        </p:spPr>
+        <p:txBody>
+          <a:bodyPr/>
+          <a:lstStyle/>
+          <a:p>
+            <a:pPr algn="ctr"/>
+            <a:r>
+              <a:rPr lang="pl-PL" dirty="0" smtClean="0"/>
+              <a:t>Co dalej?</a:t>
+            </a:r>
+            <a:endParaRPr lang="pl-PL" dirty="0"/>
+          </a:p>
+        </p:txBody>
+      </p:sp>
+    </p:spTree>
+    <p:extLst>
+      <p:ext uri="{BB962C8B-B14F-4D97-AF65-F5344CB8AC3E}">
+        <p14:creationId xmlns:p14="http://schemas.microsoft.com/office/powerpoint/2010/main" val="1256986482"/>
+      </p:ext>
+    </p:extLst>
+  </p:cSld>
+  <p:clrMapOvr>
+    <a:masterClrMapping/>
+  </p:clrMapOvr>
+  <p:timing>
+    <p:tnLst>
+      <p:par>
+        <p:cTn id="1" dur="indefinite" restart="never" nodeType="tmRoot"/>
+      </p:par>
+    </p:tnLst>
+  </p:timing>
+</p:sld>
+</file>
+
+<file path=ppt/slides/slide21.xml><?xml version="1.0" encoding="utf-8"?>
+<p:sld xmlns:a="http://schemas.openxmlformats.org/drawingml/2006/main" xmlns:r="http://schemas.openxmlformats.org/officeDocument/2006/relationships" xmlns:p="http://schemas.openxmlformats.org/presentationml/2006/main">
+  <p:cSld>
+    <p:spTree>
+      <p:nvGrpSpPr>
+        <p:cNvPr id="1" name=""/>
+        <p:cNvGrpSpPr/>
+        <p:nvPr/>
+      </p:nvGrpSpPr>
+      <p:grpSpPr>
+        <a:xfrm>
+          <a:off x="0" y="0"/>
+          <a:ext cx="0" cy="0"/>
+          <a:chOff x="0" y="0"/>
+          <a:chExt cx="0" cy="0"/>
+        </a:xfrm>
+      </p:grpSpPr>
+      <p:sp>
+        <p:nvSpPr>
+          <p:cNvPr id="2" name="Content Placeholder 1"/>
+          <p:cNvSpPr>
+            <a:spLocks noGrp="1"/>
+          </p:cNvSpPr>
+          <p:nvPr>
+            <p:ph idx="1"/>
+          </p:nvPr>
+        </p:nvSpPr>
+        <p:spPr/>
+        <p:txBody>
+          <a:bodyPr/>
+          <a:lstStyle/>
+          <a:p>
+            <a:r>
+              <a:rPr lang="pl-PL" dirty="0" smtClean="0"/>
+              <a:t>Poprawienie błędów w dotychczasowym kodzie, wprowadzenie ewentualnych modyfikacji i ulepszeń;</a:t>
+            </a:r>
+          </a:p>
+          <a:p>
+            <a:r>
+              <a:rPr lang="pl-PL" dirty="0" smtClean="0"/>
+              <a:t>Dodanie obsługi opcji </a:t>
+            </a:r>
+            <a:r>
+              <a:rPr lang="pl-PL" dirty="0" err="1" smtClean="0"/>
+              <a:t>scheduler</a:t>
+            </a:r>
+            <a:r>
+              <a:rPr lang="pl-PL" dirty="0" smtClean="0"/>
+              <a:t>;</a:t>
+            </a:r>
+          </a:p>
+          <a:p>
+            <a:r>
+              <a:rPr lang="pl-PL" dirty="0" smtClean="0"/>
+              <a:t>Wyświetlanie plików wynikowych;</a:t>
+            </a:r>
+          </a:p>
+          <a:p>
+            <a:r>
+              <a:rPr lang="pl-PL" dirty="0" smtClean="0"/>
+              <a:t>Rozpoczęcie testów automatycznych.</a:t>
+            </a:r>
+            <a:endParaRPr lang="pl-PL" dirty="0" smtClean="0"/>
+          </a:p>
+          <a:p>
+            <a:endParaRPr lang="pl-PL" dirty="0" smtClean="0"/>
+          </a:p>
+        </p:txBody>
+      </p:sp>
+      <p:sp>
+        <p:nvSpPr>
+          <p:cNvPr id="3" name="Title 2"/>
+          <p:cNvSpPr>
+            <a:spLocks noGrp="1"/>
+          </p:cNvSpPr>
+          <p:nvPr>
+            <p:ph type="title"/>
+          </p:nvPr>
+        </p:nvSpPr>
+        <p:spPr/>
+        <p:txBody>
+          <a:bodyPr/>
+          <a:lstStyle/>
+          <a:p>
+            <a:r>
+              <a:rPr lang="pl-PL" dirty="0" smtClean="0"/>
+              <a:t>Kontynuacja projektu</a:t>
+            </a:r>
+            <a:endParaRPr lang="pl-PL" dirty="0"/>
+          </a:p>
+        </p:txBody>
+      </p:sp>
+    </p:spTree>
+    <p:extLst>
+      <p:ext uri="{BB962C8B-B14F-4D97-AF65-F5344CB8AC3E}">
+        <p14:creationId xmlns:p14="http://schemas.microsoft.com/office/powerpoint/2010/main" val="3362999289"/>
       </p:ext>
     </p:extLst>
   </p:cSld>
@@ -4998,12 +6062,12 @@
       </p:grpSpPr>
       <p:sp>
         <p:nvSpPr>
-          <p:cNvPr id="3" name="Title 2"/>
-          <p:cNvSpPr>
-            <a:spLocks noGrp="1"/>
-          </p:cNvSpPr>
-          <p:nvPr>
-            <p:ph type="title"/>
+          <p:cNvPr id="2" name="Symbol zastępczy zawartości 1"/>
+          <p:cNvSpPr>
+            <a:spLocks noGrp="1"/>
+          </p:cNvSpPr>
+          <p:nvPr>
+            <p:ph idx="1"/>
           </p:nvPr>
         </p:nvSpPr>
         <p:spPr/>
@@ -5013,37 +6077,54 @@
           <a:p>
             <a:r>
               <a:rPr lang="pl-PL" dirty="0" smtClean="0"/>
-              <a:t>Panel Główny</a:t>
-            </a:r>
-            <a:endParaRPr lang="pl-PL" dirty="0"/>
-          </a:p>
-        </p:txBody>
-      </p:sp>
-      <p:sp>
-        <p:nvSpPr>
-          <p:cNvPr id="4" name="TextBox 3"/>
-          <p:cNvSpPr txBox="1"/>
-          <p:nvPr/>
-        </p:nvSpPr>
-        <p:spPr>
-          <a:xfrm>
-            <a:off x="1905000" y="2209800"/>
-            <a:ext cx="3657600" cy="646331"/>
-          </a:xfrm>
-          <a:prstGeom prst="rect">
-            <a:avLst/>
-          </a:prstGeom>
-          <a:noFill/>
-        </p:spPr>
-        <p:txBody>
-          <a:bodyPr wrap="square" rtlCol="0">
-            <a:spAutoFit/>
-          </a:bodyPr>
+              <a:t>Napisanie skryptu</a:t>
+            </a:r>
+          </a:p>
+          <a:p>
+            <a:r>
+              <a:rPr lang="pl-PL" dirty="0" smtClean="0"/>
+              <a:t>Uruchomienie go w konsoli</a:t>
+            </a:r>
+          </a:p>
+          <a:p>
+            <a:r>
+              <a:rPr lang="pl-PL" dirty="0" smtClean="0"/>
+              <a:t>Samodzielne analizowanie powstałego pliku .</a:t>
+            </a:r>
+            <a:r>
+              <a:rPr lang="pl-PL" dirty="0" err="1" smtClean="0"/>
+              <a:t>csv</a:t>
+            </a:r>
+            <a:endParaRPr lang="pl-PL" dirty="0" smtClean="0"/>
+          </a:p>
+        </p:txBody>
+      </p:sp>
+      <p:sp>
+        <p:nvSpPr>
+          <p:cNvPr id="3" name="Tytuł 2"/>
+          <p:cNvSpPr>
+            <a:spLocks noGrp="1"/>
+          </p:cNvSpPr>
+          <p:nvPr>
+            <p:ph type="title"/>
+          </p:nvPr>
+        </p:nvSpPr>
+        <p:spPr/>
+        <p:txBody>
+          <a:bodyPr/>
           <a:lstStyle/>
           <a:p>
             <a:r>
               <a:rPr lang="pl-PL" dirty="0" smtClean="0"/>
-              <a:t>Miejsce na screen panelu głównego</a:t>
+              <a:t>Korzystanie z </a:t>
+            </a:r>
+            <a:r>
+              <a:rPr lang="pl-PL" dirty="0" err="1" smtClean="0"/>
+              <a:t>GridLAB</a:t>
+            </a:r>
+            <a:r>
+              <a:rPr lang="pl-PL" dirty="0" smtClean="0"/>
+              <a:t>-D</a:t>
             </a:r>
             <a:endParaRPr lang="pl-PL" dirty="0"/>
           </a:p>
@@ -5052,20 +6133,13 @@
     </p:spTree>
     <p:extLst>
       <p:ext uri="{BB962C8B-B14F-4D97-AF65-F5344CB8AC3E}">
-        <p14:creationId xmlns:p14="http://schemas.microsoft.com/office/powerpoint/2010/main" val="96658393"/>
+        <p14:creationId xmlns:p14="http://schemas.microsoft.com/office/powerpoint/2010/main" val="3967220298"/>
       </p:ext>
     </p:extLst>
   </p:cSld>
   <p:clrMapOvr>
     <a:masterClrMapping/>
   </p:clrMapOvr>
-  <p:timing>
-    <p:tnLst>
-      <p:par>
-        <p:cTn id="1" dur="indefinite" restart="never" nodeType="tmRoot"/>
-      </p:par>
-    </p:tnLst>
-  </p:timing>
 </p:sld>
 </file>
 
@@ -5088,28 +6162,74 @@
       </p:grpSpPr>
       <p:sp>
         <p:nvSpPr>
-          <p:cNvPr id="3" name="Title 2"/>
-          <p:cNvSpPr>
-            <a:spLocks noGrp="1"/>
-          </p:cNvSpPr>
-          <p:nvPr>
-            <p:ph type="title"/>
-          </p:nvPr>
-        </p:nvSpPr>
-        <p:spPr>
-          <a:xfrm>
-            <a:off x="304800" y="2209800"/>
-            <a:ext cx="8229600" cy="1143000"/>
-          </a:xfrm>
-        </p:spPr>
+          <p:cNvPr id="2" name="Symbol zastępczy zawartości 1"/>
+          <p:cNvSpPr>
+            <a:spLocks noGrp="1"/>
+          </p:cNvSpPr>
+          <p:nvPr>
+            <p:ph idx="1"/>
+          </p:nvPr>
+        </p:nvSpPr>
+        <p:spPr/>
         <p:txBody>
           <a:bodyPr/>
           <a:lstStyle/>
           <a:p>
-            <a:pPr algn="ctr"/>
-            <a:r>
-              <a:rPr lang="pl-PL" dirty="0" smtClean="0"/>
-              <a:t>Funkcjonalność</a:t>
+            <a:r>
+              <a:rPr lang="pl-PL" dirty="0" smtClean="0"/>
+              <a:t>Wymaga dobrej znajomości dokumentacji, </a:t>
+            </a:r>
+            <a:r>
+              <a:rPr lang="pl-PL" dirty="0" err="1" smtClean="0"/>
+              <a:t>wiki</a:t>
+            </a:r>
+            <a:r>
+              <a:rPr lang="pl-PL" dirty="0" smtClean="0"/>
+              <a:t>, języka</a:t>
+            </a:r>
+          </a:p>
+          <a:p>
+            <a:r>
+              <a:rPr lang="pl-PL" dirty="0" smtClean="0"/>
+              <a:t>Tworzenie sieci jest niewygodne, czasochłonne</a:t>
+            </a:r>
+          </a:p>
+          <a:p>
+            <a:r>
+              <a:rPr lang="pl-PL" dirty="0" smtClean="0"/>
+              <a:t>Łatwo popełnić błędy</a:t>
+            </a:r>
+          </a:p>
+          <a:p>
+            <a:r>
+              <a:rPr lang="pl-PL" dirty="0" smtClean="0"/>
+              <a:t>Plik wynikowy jest mało czytelny, wymaga osobnego opracowania przez użytkownika</a:t>
+            </a:r>
+          </a:p>
+        </p:txBody>
+      </p:sp>
+      <p:sp>
+        <p:nvSpPr>
+          <p:cNvPr id="3" name="Tytuł 2"/>
+          <p:cNvSpPr>
+            <a:spLocks noGrp="1"/>
+          </p:cNvSpPr>
+          <p:nvPr>
+            <p:ph type="title"/>
+          </p:nvPr>
+        </p:nvSpPr>
+        <p:spPr/>
+        <p:txBody>
+          <a:bodyPr/>
+          <a:lstStyle/>
+          <a:p>
+            <a:r>
+              <a:rPr lang="pl-PL" dirty="0" smtClean="0"/>
+              <a:t>Problemy z </a:t>
+            </a:r>
+            <a:r>
+              <a:rPr lang="pl-PL" dirty="0" err="1" smtClean="0"/>
+              <a:t>GridLAB</a:t>
             </a:r>
             <a:endParaRPr lang="pl-PL" dirty="0"/>
           </a:p>
@@ -5118,20 +6238,13 @@
     </p:spTree>
     <p:extLst>
       <p:ext uri="{BB962C8B-B14F-4D97-AF65-F5344CB8AC3E}">
-        <p14:creationId xmlns:p14="http://schemas.microsoft.com/office/powerpoint/2010/main" val="716364462"/>
+        <p14:creationId xmlns:p14="http://schemas.microsoft.com/office/powerpoint/2010/main" val="3132663463"/>
       </p:ext>
     </p:extLst>
   </p:cSld>
   <p:clrMapOvr>
     <a:masterClrMapping/>
   </p:clrMapOvr>
-  <p:timing>
-    <p:tnLst>
-      <p:par>
-        <p:cTn id="1" dur="indefinite" restart="never" nodeType="tmRoot"/>
-      </p:par>
-    </p:tnLst>
-  </p:timing>
 </p:sld>
 </file>
 
@@ -5154,7 +6267,7 @@
       </p:grpSpPr>
       <p:sp>
         <p:nvSpPr>
-          <p:cNvPr id="2" name="Content Placeholder 1"/>
+          <p:cNvPr id="2" name="Symbol zastępczy zawartości 1"/>
           <p:cNvSpPr>
             <a:spLocks noGrp="1"/>
           </p:cNvSpPr>
@@ -5167,50 +6280,35 @@
           <a:bodyPr/>
           <a:lstStyle/>
           <a:p>
-            <a:pPr marL="624078" indent="-514350">
-              <a:buFont typeface="+mj-lt"/>
-              <a:buAutoNum type="arabicPeriod"/>
-            </a:pPr>
-            <a:r>
-              <a:rPr lang="pl-PL" dirty="0" smtClean="0"/>
-              <a:t>Wybierz z listy najbardziej na lewo(będziemy ją nazywać listą1) moduł, z którego obiekt chcesz dodać.</a:t>
-            </a:r>
-          </a:p>
-          <a:p>
-            <a:pPr marL="624078" indent="-514350">
-              <a:buFont typeface="+mj-lt"/>
-              <a:buAutoNum type="arabicPeriod"/>
-            </a:pPr>
-            <a:r>
-              <a:rPr lang="pl-PL" dirty="0" smtClean="0"/>
-              <a:t>Z listy 2 wybierz klasę, która cię interesuje.</a:t>
-            </a:r>
-          </a:p>
-          <a:p>
-            <a:pPr marL="624078" indent="-514350">
-              <a:buFont typeface="+mj-lt"/>
-              <a:buAutoNum type="arabicPeriod"/>
-            </a:pPr>
-            <a:r>
-              <a:rPr lang="pl-PL" dirty="0" smtClean="0"/>
-              <a:t>Naciśnij przycisk z symbolem +, doda to obiekt zaznaczonej klasy do listy 3.</a:t>
-            </a:r>
-          </a:p>
-          <a:p>
-            <a:pPr marL="624078" indent="-514350">
-              <a:buFont typeface="+mj-lt"/>
-              <a:buAutoNum type="arabicPeriod"/>
-            </a:pPr>
-            <a:endParaRPr lang="pl-PL" dirty="0" smtClean="0"/>
-          </a:p>
-          <a:p>
+            <a:r>
+              <a:rPr lang="pl-PL" dirty="0" smtClean="0"/>
+              <a:t>Użytkownik nie ma styczności z kodem; kod generuje się automatycznie</a:t>
+            </a:r>
+          </a:p>
+          <a:p>
+            <a:r>
+              <a:rPr lang="pl-PL" dirty="0" smtClean="0"/>
+              <a:t>Tworzenie sieci jest prostsze, szybsze i łatwe do zrozumienia przez niedoświadczonego użytkownika</a:t>
+            </a:r>
+          </a:p>
+          <a:p>
+            <a:r>
+              <a:rPr lang="pl-PL" dirty="0" smtClean="0"/>
+              <a:t>Pozbawia konieczności korzystania z konsoli</a:t>
+            </a:r>
+          </a:p>
+          <a:p>
+            <a:r>
+              <a:rPr lang="pl-PL" dirty="0" smtClean="0"/>
+              <a:t>Jednym przyciskiem generuje łatwe w analizie wykresy</a:t>
+            </a:r>
             <a:endParaRPr lang="pl-PL" dirty="0"/>
           </a:p>
         </p:txBody>
       </p:sp>
       <p:sp>
         <p:nvSpPr>
-          <p:cNvPr id="3" name="Title 2"/>
+          <p:cNvPr id="3" name="Tytuł 2"/>
           <p:cNvSpPr>
             <a:spLocks noGrp="1"/>
           </p:cNvSpPr>
@@ -5220,19 +6318,12 @@
         </p:nvSpPr>
         <p:spPr/>
         <p:txBody>
-          <a:bodyPr>
-            <a:normAutofit fontScale="90000"/>
-          </a:bodyPr>
+          <a:bodyPr/>
           <a:lstStyle/>
           <a:p>
-            <a:pPr marL="109728" indent="0"/>
-            <a:r>
-              <a:rPr lang="pl-PL" dirty="0"/>
-              <a:t>Schemat dodawania obiektu do </a:t>
-            </a:r>
-            <a:r>
-              <a:rPr lang="pl-PL" dirty="0" smtClean="0"/>
-              <a:t>modelu:</a:t>
+            <a:r>
+              <a:rPr lang="pl-PL" dirty="0" smtClean="0"/>
+              <a:t>Co daje interfejs graficzny?</a:t>
             </a:r>
             <a:endParaRPr lang="pl-PL" dirty="0"/>
           </a:p>
@@ -5241,20 +6332,13 @@
     </p:spTree>
     <p:extLst>
       <p:ext uri="{BB962C8B-B14F-4D97-AF65-F5344CB8AC3E}">
-        <p14:creationId xmlns:p14="http://schemas.microsoft.com/office/powerpoint/2010/main" val="1541505849"/>
+        <p14:creationId xmlns:p14="http://schemas.microsoft.com/office/powerpoint/2010/main" val="1240065101"/>
       </p:ext>
     </p:extLst>
   </p:cSld>
   <p:clrMapOvr>
     <a:masterClrMapping/>
   </p:clrMapOvr>
-  <p:timing>
-    <p:tnLst>
-      <p:par>
-        <p:cTn id="1" dur="indefinite" restart="never" nodeType="tmRoot"/>
-      </p:par>
-    </p:tnLst>
-  </p:timing>
 </p:sld>
 </file>
 
@@ -5277,53 +6361,37 @@
       </p:grpSpPr>
       <p:sp>
         <p:nvSpPr>
-          <p:cNvPr id="2" name="Content Placeholder 1"/>
-          <p:cNvSpPr>
-            <a:spLocks noGrp="1"/>
-          </p:cNvSpPr>
-          <p:nvPr>
-            <p:ph idx="1"/>
-          </p:nvPr>
-        </p:nvSpPr>
-        <p:spPr/>
+          <p:cNvPr id="3" name="Title 2"/>
+          <p:cNvSpPr>
+            <a:spLocks noGrp="1"/>
+          </p:cNvSpPr>
+          <p:nvPr>
+            <p:ph type="title"/>
+          </p:nvPr>
+        </p:nvSpPr>
+        <p:spPr>
+          <a:xfrm>
+            <a:off x="304800" y="2209800"/>
+            <a:ext cx="8229600" cy="1143000"/>
+          </a:xfrm>
+        </p:spPr>
         <p:txBody>
           <a:bodyPr/>
           <a:lstStyle/>
           <a:p>
-            <a:pPr marL="109728" indent="0">
-              <a:buNone/>
-            </a:pPr>
-            <a:r>
-              <a:rPr lang="pl-PL" dirty="0" smtClean="0"/>
-              <a:t>Screeny krok po kroku jak dodać cokolwiek</a:t>
+            <a:pPr algn="ctr"/>
+            <a:r>
+              <a:rPr lang="pl-PL" dirty="0" smtClean="0"/>
+              <a:t>Nasze GUI</a:t>
             </a:r>
             <a:endParaRPr lang="pl-PL" dirty="0"/>
-          </a:p>
-        </p:txBody>
-      </p:sp>
-      <p:sp>
-        <p:nvSpPr>
-          <p:cNvPr id="3" name="Title 2"/>
-          <p:cNvSpPr>
-            <a:spLocks noGrp="1"/>
-          </p:cNvSpPr>
-          <p:nvPr>
-            <p:ph type="title"/>
-          </p:nvPr>
-        </p:nvSpPr>
-        <p:spPr/>
-        <p:txBody>
-          <a:bodyPr/>
-          <a:lstStyle/>
-          <a:p>
-            <a:endParaRPr lang="pl-PL"/>
           </a:p>
         </p:txBody>
       </p:sp>
     </p:spTree>
     <p:extLst>
       <p:ext uri="{BB962C8B-B14F-4D97-AF65-F5344CB8AC3E}">
-        <p14:creationId xmlns:p14="http://schemas.microsoft.com/office/powerpoint/2010/main" val="2146006656"/>
+        <p14:creationId xmlns:p14="http://schemas.microsoft.com/office/powerpoint/2010/main" val="1800060009"/>
       </p:ext>
     </p:extLst>
   </p:cSld>
@@ -5372,51 +6440,32 @@
           <a:bodyPr/>
           <a:lstStyle/>
           <a:p>
-            <a:pPr marL="624078" indent="-514350">
-              <a:buFont typeface="+mj-lt"/>
-              <a:buAutoNum type="arabicPeriod"/>
-            </a:pPr>
-            <a:r>
-              <a:rPr lang="pl-PL" dirty="0" smtClean="0"/>
-              <a:t>Wybieramy obiekt, którego właściwości chcemy zmienić.</a:t>
-            </a:r>
-          </a:p>
-          <a:p>
-            <a:pPr marL="624078" indent="-514350">
-              <a:buFont typeface="+mj-lt"/>
-              <a:buAutoNum type="arabicPeriod"/>
-            </a:pPr>
-            <a:r>
-              <a:rPr lang="pl-PL" dirty="0" smtClean="0"/>
-              <a:t>Pojawia się nam panel właściwości obiektu.</a:t>
-            </a:r>
-          </a:p>
-          <a:p>
-            <a:pPr marL="624078" indent="-514350">
-              <a:buFont typeface="+mj-lt"/>
-              <a:buAutoNum type="arabicPeriod"/>
-            </a:pPr>
-            <a:r>
-              <a:rPr lang="pl-PL" dirty="0" smtClean="0"/>
-              <a:t>Po zmianie właściwości należy zapisać je w obiekcie poprzez naciśniećie przycisku &lt;Zapisz&gt;(nazwa robocza).</a:t>
-            </a:r>
-          </a:p>
-          <a:p>
-            <a:pPr marL="624078" indent="-514350">
-              <a:buFont typeface="+mj-lt"/>
-              <a:buAutoNum type="arabicPeriod"/>
-            </a:pPr>
-            <a:r>
-              <a:rPr lang="pl-PL" dirty="0" smtClean="0"/>
-              <a:t>Możemy także wyczyścić wszystkiw pola właściwości zmiennych poprzez przycisk &lt;Wyczyść&gt;.</a:t>
-            </a:r>
-          </a:p>
-          <a:p>
-            <a:pPr marL="624078" indent="-514350">
-              <a:buFont typeface="+mj-lt"/>
-              <a:buAutoNum type="arabicPeriod"/>
-            </a:pPr>
-            <a:endParaRPr lang="pl-PL" dirty="0"/>
+            <a:r>
+              <a:rPr lang="pl-PL" dirty="0" smtClean="0"/>
+              <a:t>Z użuciem kodu źródłowego: </a:t>
+            </a:r>
+            <a:r>
+              <a:rPr lang="pl-PL" dirty="0" smtClean="0"/>
+              <a:t>kompilujemy </a:t>
+            </a:r>
+            <a:r>
+              <a:rPr lang="pl-PL" dirty="0" smtClean="0"/>
+              <a:t>klasę GridalbGUI.java</a:t>
+            </a:r>
+          </a:p>
+          <a:p>
+            <a:r>
+              <a:rPr lang="pl-PL" dirty="0" smtClean="0"/>
+              <a:t>Deskopowo: </a:t>
+            </a:r>
+            <a:r>
+              <a:rPr lang="pl-PL" dirty="0" smtClean="0"/>
+              <a:t>uruchamiamy </a:t>
+            </a:r>
+            <a:r>
+              <a:rPr lang="pl-PL" dirty="0" smtClean="0"/>
+              <a:t>aplikację gridlabdGUI.jar</a:t>
+            </a:r>
           </a:p>
         </p:txBody>
       </p:sp>
@@ -5437,7 +6486,11 @@
           <a:p>
             <a:r>
               <a:rPr lang="pl-PL" dirty="0" smtClean="0"/>
-              <a:t>Zmienianie właściwości obiektu</a:t>
+              <a:t>Uruchamianie </a:t>
+            </a:r>
+            <a:r>
+              <a:rPr lang="pl-PL" dirty="0" smtClean="0"/>
+              <a:t>aplikacji</a:t>
             </a:r>
             <a:endParaRPr lang="pl-PL" dirty="0"/>
           </a:p>
@@ -5446,7 +6499,7 @@
     </p:spTree>
     <p:extLst>
       <p:ext uri="{BB962C8B-B14F-4D97-AF65-F5344CB8AC3E}">
-        <p14:creationId xmlns:p14="http://schemas.microsoft.com/office/powerpoint/2010/main" val="1247509109"/>
+        <p14:creationId xmlns:p14="http://schemas.microsoft.com/office/powerpoint/2010/main" val="3454308603"/>
       </p:ext>
     </p:extLst>
   </p:cSld>
@@ -5482,12 +6535,12 @@
       </p:grpSpPr>
       <p:sp>
         <p:nvSpPr>
-          <p:cNvPr id="2" name="Content Placeholder 1"/>
-          <p:cNvSpPr>
-            <a:spLocks noGrp="1"/>
-          </p:cNvSpPr>
-          <p:nvPr>
-            <p:ph idx="1"/>
+          <p:cNvPr id="3" name="Title 2"/>
+          <p:cNvSpPr>
+            <a:spLocks noGrp="1"/>
+          </p:cNvSpPr>
+          <p:nvPr>
+            <p:ph type="title"/>
           </p:nvPr>
         </p:nvSpPr>
         <p:spPr/>
@@ -5497,35 +6550,46 @@
           <a:p>
             <a:r>
               <a:rPr lang="pl-PL" dirty="0" smtClean="0"/>
-              <a:t>Screeny jak zmienić właściwości</a:t>
+              <a:t>Główny ekran</a:t>
             </a:r>
             <a:endParaRPr lang="pl-PL" dirty="0"/>
           </a:p>
         </p:txBody>
       </p:sp>
-      <p:sp>
-        <p:nvSpPr>
-          <p:cNvPr id="3" name="Title 2"/>
-          <p:cNvSpPr>
-            <a:spLocks noGrp="1"/>
-          </p:cNvSpPr>
-          <p:nvPr>
-            <p:ph type="title"/>
-          </p:nvPr>
-        </p:nvSpPr>
-        <p:spPr/>
-        <p:txBody>
-          <a:bodyPr/>
-          <a:lstStyle/>
-          <a:p>
-            <a:endParaRPr lang="pl-PL"/>
-          </a:p>
-        </p:txBody>
-      </p:sp>
+      <p:pic>
+        <p:nvPicPr>
+          <p:cNvPr id="2" name="Obraz 1"/>
+          <p:cNvPicPr>
+            <a:picLocks noChangeAspect="1"/>
+          </p:cNvPicPr>
+          <p:nvPr/>
+        </p:nvPicPr>
+        <p:blipFill>
+          <a:blip r:embed="rId2">
+            <a:extLst>
+              <a:ext uri="{28A0092B-C50C-407E-A947-70E740481C1C}">
+                <a14:useLocalDpi xmlns:a14="http://schemas.microsoft.com/office/drawing/2010/main" val="0"/>
+              </a:ext>
+            </a:extLst>
+          </a:blip>
+          <a:stretch>
+            <a:fillRect/>
+          </a:stretch>
+        </p:blipFill>
+        <p:spPr>
+          <a:xfrm>
+            <a:off x="0" y="1302163"/>
+            <a:ext cx="9144000" cy="4253674"/>
+          </a:xfrm>
+          <a:prstGeom prst="rect">
+            <a:avLst/>
+          </a:prstGeom>
+        </p:spPr>
+      </p:pic>
     </p:spTree>
     <p:extLst>
       <p:ext uri="{BB962C8B-B14F-4D97-AF65-F5344CB8AC3E}">
-        <p14:creationId xmlns:p14="http://schemas.microsoft.com/office/powerpoint/2010/main" val="4272296330"/>
+        <p14:creationId xmlns:p14="http://schemas.microsoft.com/office/powerpoint/2010/main" val="96658393"/>
       </p:ext>
     </p:extLst>
   </p:cSld>
@@ -5561,45 +6625,28 @@
       </p:grpSpPr>
       <p:sp>
         <p:nvSpPr>
-          <p:cNvPr id="2" name="Content Placeholder 1"/>
-          <p:cNvSpPr>
-            <a:spLocks noGrp="1"/>
-          </p:cNvSpPr>
-          <p:nvPr>
-            <p:ph idx="1"/>
-          </p:nvPr>
-        </p:nvSpPr>
-        <p:spPr/>
+          <p:cNvPr id="3" name="Title 2"/>
+          <p:cNvSpPr>
+            <a:spLocks noGrp="1"/>
+          </p:cNvSpPr>
+          <p:nvPr>
+            <p:ph type="title"/>
+          </p:nvPr>
+        </p:nvSpPr>
+        <p:spPr>
+          <a:xfrm>
+            <a:off x="304800" y="2209800"/>
+            <a:ext cx="8229600" cy="1143000"/>
+          </a:xfrm>
+        </p:spPr>
         <p:txBody>
           <a:bodyPr/>
           <a:lstStyle/>
           <a:p>
-            <a:r>
-              <a:rPr lang="pl-PL" dirty="0" smtClean="0"/>
-              <a:t>Przycisk ExportToGLM generuje na podstawie naszego modelu plik .glm, o nazwie podanej w polu tekstowym w nazwa pliku.</a:t>
-            </a:r>
-            <a:endParaRPr lang="pl-PL" dirty="0"/>
-          </a:p>
-        </p:txBody>
-      </p:sp>
-      <p:sp>
-        <p:nvSpPr>
-          <p:cNvPr id="3" name="Title 2"/>
-          <p:cNvSpPr>
-            <a:spLocks noGrp="1"/>
-          </p:cNvSpPr>
-          <p:nvPr>
-            <p:ph type="title"/>
-          </p:nvPr>
-        </p:nvSpPr>
-        <p:spPr/>
-        <p:txBody>
-          <a:bodyPr/>
-          <a:lstStyle/>
-          <a:p>
-            <a:r>
-              <a:rPr lang="pl-PL" dirty="0" smtClean="0"/>
-              <a:t>Generowanie pliku .glm</a:t>
+            <a:pPr algn="ctr"/>
+            <a:r>
+              <a:rPr lang="pl-PL" dirty="0" smtClean="0"/>
+              <a:t>Funkcjonalność</a:t>
             </a:r>
             <a:endParaRPr lang="pl-PL" dirty="0"/>
           </a:p>
@@ -5608,7 +6655,7 @@
     </p:spTree>
     <p:extLst>
       <p:ext uri="{BB962C8B-B14F-4D97-AF65-F5344CB8AC3E}">
-        <p14:creationId xmlns:p14="http://schemas.microsoft.com/office/powerpoint/2010/main" val="1336825999"/>
+        <p14:creationId xmlns:p14="http://schemas.microsoft.com/office/powerpoint/2010/main" val="716364462"/>
       </p:ext>
     </p:extLst>
   </p:cSld>
